--- a/Docs/Finales/Defensa proyecto intermodular.pptx
+++ b/Docs/Finales/Defensa proyecto intermodular.pptx
@@ -6611,15 +6611,13 @@
           </a:bodyPr>
           <a:lstStyle/>
           <a:p>
-            <a:pPr indent="-228600">
+            <a:pPr>
               <a:lnSpc>
                 <a:spcPct val="90000"/>
               </a:lnSpc>
               <a:spcAft>
                 <a:spcPts val="800"/>
               </a:spcAft>
-              <a:buFont typeface="Arial" panose="020B0604020202020204" pitchFamily="34" charset="0"/>
-              <a:buChar char="•"/>
             </a:pPr>
             <a:r>
               <a:rPr lang="en-US" sz="2000" b="1" dirty="0">
@@ -7637,15 +7635,13 @@
           </a:bodyPr>
           <a:lstStyle/>
           <a:p>
-            <a:pPr indent="-228600">
+            <a:pPr>
               <a:lnSpc>
                 <a:spcPct val="90000"/>
               </a:lnSpc>
               <a:spcAft>
                 <a:spcPts val="800"/>
               </a:spcAft>
-              <a:buFont typeface="Arial" panose="020B0604020202020204" pitchFamily="34" charset="0"/>
-              <a:buChar char="•"/>
             </a:pPr>
             <a:r>
               <a:rPr lang="en-US" sz="2000" b="1" dirty="0">
@@ -8571,7 +8567,7 @@
           <p:nvPr>
             <p:extLst>
               <p:ext uri="{D42A27DB-BD31-4B8C-83A1-F6EECF244321}">
-                <p14:modId xmlns:p14="http://schemas.microsoft.com/office/powerpoint/2010/main" val="557691920"/>
+                <p14:modId xmlns:p14="http://schemas.microsoft.com/office/powerpoint/2010/main" val="1217618421"/>
               </p:ext>
             </p:extLst>
           </p:nvPr>
@@ -8906,10 +8902,10 @@
                         </a:spcAft>
                       </a:pPr>
                       <a:r>
-                        <a:rPr lang="es-ES" sz="1100" kern="100" dirty="0">
+                        <a:rPr lang="es-ES" sz="1100" kern="100" dirty="0" err="1">
                           <a:effectLst/>
                         </a:rPr>
-                        <a:t>teléfono_usuario</a:t>
+                        <a:t>telefono_usuario</a:t>
                       </a:r>
                       <a:endParaRPr lang="es-ES" sz="1100" kern="100" dirty="0">
                         <a:effectLst/>
@@ -9094,10 +9090,10 @@
                         </a:spcAft>
                       </a:pPr>
                       <a:r>
-                        <a:rPr lang="es-ES" sz="1100" kern="100" dirty="0">
+                        <a:rPr lang="es-ES" sz="1100" kern="100" dirty="0" err="1">
                           <a:effectLst/>
                         </a:rPr>
-                        <a:t>dirección_usuario</a:t>
+                        <a:t>direccion_usuario</a:t>
                       </a:r>
                       <a:endParaRPr lang="es-ES" sz="1100" kern="100" dirty="0">
                         <a:effectLst/>
@@ -12163,16 +12159,8 @@
                 <a:ea typeface="+mn-ea"/>
                 <a:cs typeface="+mn-cs"/>
               </a:rPr>
-              <a:t> en Linux,</a:t>
-            </a:r>
-            <a:br>
-              <a:rPr lang="en-US" sz="1600" kern="1200" dirty="0">
-                <a:effectLst/>
-                <a:latin typeface="+mn-lt"/>
-                <a:ea typeface="+mn-ea"/>
-                <a:cs typeface="+mn-cs"/>
-              </a:rPr>
-            </a:br>
+              <a:t> en Linux, </a:t>
+            </a:r>
             <a:r>
               <a:rPr lang="es-ES" sz="1600" kern="1200" dirty="0">
                 <a:effectLst/>
@@ -12225,7 +12213,7 @@
                 <a:ea typeface="+mn-ea"/>
                 <a:cs typeface="+mn-cs"/>
               </a:rPr>
-              <a:t> de disponer de:</a:t>
+              <a:t> disponer de:</a:t>
             </a:r>
           </a:p>
           <a:p>
@@ -12345,7 +12333,7 @@
                 <a:ea typeface="+mn-ea"/>
                 <a:cs typeface="+mn-cs"/>
               </a:rPr>
-              <a:t>Si es Linux </a:t>
+              <a:t>Si es Linux, se </a:t>
             </a:r>
             <a:r>
               <a:rPr lang="es-ES" sz="1600" kern="1200" dirty="0">
@@ -12354,7 +12342,7 @@
                 <a:ea typeface="+mn-ea"/>
                 <a:cs typeface="+mn-cs"/>
               </a:rPr>
-              <a:t>necesitara</a:t>
+              <a:t>necesitará </a:t>
             </a:r>
             <a:r>
               <a:rPr lang="en-US" sz="1600" kern="1200" dirty="0">
@@ -12363,7 +12351,7 @@
                 <a:ea typeface="+mn-ea"/>
                 <a:cs typeface="+mn-cs"/>
               </a:rPr>
-              <a:t> que </a:t>
+              <a:t>que </a:t>
             </a:r>
             <a:r>
               <a:rPr lang="es-ES" sz="1600" kern="1200" dirty="0">
@@ -16011,40 +15999,37 @@
           </a:lstStyle>
           <a:p>
             <a:r>
-              <a:rPr lang="en-US" sz="2000"/>
-              <a:t>Eduardo Martín-Sonseca Alonso</a:t>
+              <a:rPr lang="en-US" sz="2000" dirty="0"/>
+              <a:t>Eduardo Martín-</a:t>
+            </a:r>
+            <a:r>
+              <a:rPr lang="en-US" sz="2000" dirty="0" err="1"/>
+              <a:t>Sonseca</a:t>
+            </a:r>
+            <a:r>
+              <a:rPr lang="en-US" sz="2000" dirty="0"/>
+              <a:t> Alonso</a:t>
             </a:r>
           </a:p>
           <a:p>
             <a:r>
-              <a:rPr lang="en-US" sz="2000"/>
+              <a:rPr lang="en-US" sz="2000" dirty="0"/>
               <a:t>Noel Prieto Pardo</a:t>
             </a:r>
           </a:p>
           <a:p>
             <a:r>
-              <a:rPr lang="en-US" sz="2000"/>
-              <a:t>Mario Ortuñez Sanz</a:t>
-            </a:r>
-          </a:p>
-          <a:p>
-            <a:r>
-              <a:rPr lang="en-US" sz="2000" b="1"/>
-              <a:t>1º Desarrollo de </a:t>
-            </a:r>
-            <a:r>
-              <a:rPr lang="es-ES" sz="2000" b="1"/>
-              <a:t>Aplicaciones</a:t>
-            </a:r>
-            <a:r>
-              <a:rPr lang="en-US" sz="2000" b="1"/>
-              <a:t> </a:t>
-            </a:r>
-            <a:r>
-              <a:rPr lang="es-ES" sz="2000" b="1"/>
-              <a:t>Multiplataforma</a:t>
-            </a:r>
-            <a:endParaRPr lang="es-ES" sz="2000" b="1" dirty="0"/>
+              <a:rPr lang="en-US" sz="2000" dirty="0"/>
+              <a:t>Mario </a:t>
+            </a:r>
+            <a:r>
+              <a:rPr lang="en-US" sz="2000" dirty="0" err="1"/>
+              <a:t>Ortuñez</a:t>
+            </a:r>
+            <a:r>
+              <a:rPr lang="en-US" sz="2000" dirty="0"/>
+              <a:t> Sanz</a:t>
+            </a:r>
           </a:p>
         </p:txBody>
       </p:sp>
@@ -16063,14 +16048,14 @@
           <p:nvPr>
             <p:extLst>
               <p:ext uri="{D42A27DB-BD31-4B8C-83A1-F6EECF244321}">
-                <p14:modId xmlns:p14="http://schemas.microsoft.com/office/powerpoint/2010/main" val="1861194283"/>
+                <p14:modId xmlns:p14="http://schemas.microsoft.com/office/powerpoint/2010/main" val="1807279134"/>
               </p:ext>
             </p:extLst>
           </p:nvPr>
         </p:nvGraphicFramePr>
         <p:xfrm>
-          <a:off x="5319485" y="2664277"/>
-          <a:ext cx="4628848" cy="2338557"/>
+          <a:off x="6491638" y="2312393"/>
+          <a:ext cx="4628848" cy="2270760"/>
         </p:xfrm>
         <a:graphic>
           <a:graphicData uri="http://schemas.openxmlformats.org/drawingml/2006/table">
@@ -16101,7 +16086,7 @@
                   </a:extLst>
                 </a:gridCol>
               </a:tblGrid>
-              <a:tr h="101534">
+              <a:tr h="151094">
                 <a:tc gridSpan="3">
                   <a:txBody>
                     <a:bodyPr/>
@@ -16109,10 +16094,59 @@
                     <a:p>
                       <a:pPr algn="ctr"/>
                       <a:r>
-                        <a:rPr lang="es-ES" sz="1000">
+                        <a:rPr lang="es-ES" sz="1000" dirty="0">
                           <a:effectLst/>
                         </a:rPr>
                         <a:t>EDUARDO</a:t>
+                      </a:r>
+                      <a:endParaRPr lang="es-ES" sz="1100" dirty="0">
+                        <a:effectLst/>
+                        <a:latin typeface="Calibri" panose="020F0502020204030204" pitchFamily="34" charset="0"/>
+                        <a:ea typeface="Calibri" panose="020F0502020204030204" pitchFamily="34" charset="0"/>
+                        <a:cs typeface="Times New Roman" panose="02020603050405020304" pitchFamily="18" charset="0"/>
+                      </a:endParaRPr>
+                    </a:p>
+                  </a:txBody>
+                  <a:tcPr marL="44450" marR="44450" marT="0" marB="0" anchor="ctr"/>
+                </a:tc>
+                <a:tc hMerge="1">
+                  <a:txBody>
+                    <a:bodyPr/>
+                    <a:lstStyle/>
+                    <a:p>
+                      <a:endParaRPr lang="es-ES"/>
+                    </a:p>
+                  </a:txBody>
+                  <a:tcPr/>
+                </a:tc>
+                <a:tc hMerge="1">
+                  <a:txBody>
+                    <a:bodyPr/>
+                    <a:lstStyle/>
+                    <a:p>
+                      <a:endParaRPr lang="es-ES"/>
+                    </a:p>
+                  </a:txBody>
+                  <a:tcPr/>
+                </a:tc>
+                <a:extLst>
+                  <a:ext uri="{0D108BD9-81ED-4DB2-BD59-A6C34878D82A}">
+                    <a16:rowId xmlns:a16="http://schemas.microsoft.com/office/drawing/2014/main" val="668352428"/>
+                  </a:ext>
+                </a:extLst>
+              </a:tr>
+              <a:tr h="135984">
+                <a:tc>
+                  <a:txBody>
+                    <a:bodyPr/>
+                    <a:lstStyle/>
+                    <a:p>
+                      <a:pPr algn="ctr"/>
+                      <a:r>
+                        <a:rPr lang="es-ES" sz="900">
+                          <a:effectLst/>
+                        </a:rPr>
+                        <a:t>Dia</a:t>
                       </a:r>
                       <a:endParaRPr lang="es-ES" sz="1100">
                         <a:effectLst/>
@@ -16124,33 +16158,57 @@
                   </a:txBody>
                   <a:tcPr marL="44450" marR="44450" marT="0" marB="0" anchor="ctr"/>
                 </a:tc>
-                <a:tc hMerge="1">
-                  <a:txBody>
-                    <a:bodyPr/>
-                    <a:lstStyle/>
-                    <a:p>
-                      <a:endParaRPr lang="es-ES"/>
-                    </a:p>
-                  </a:txBody>
-                  <a:tcPr/>
-                </a:tc>
-                <a:tc hMerge="1">
-                  <a:txBody>
-                    <a:bodyPr/>
-                    <a:lstStyle/>
-                    <a:p>
-                      <a:endParaRPr lang="es-ES"/>
-                    </a:p>
-                  </a:txBody>
-                  <a:tcPr/>
+                <a:tc>
+                  <a:txBody>
+                    <a:bodyPr/>
+                    <a:lstStyle/>
+                    <a:p>
+                      <a:pPr algn="ctr"/>
+                      <a:r>
+                        <a:rPr lang="es-ES" sz="900" dirty="0">
+                          <a:effectLst/>
+                        </a:rPr>
+                        <a:t>Duración</a:t>
+                      </a:r>
+                      <a:endParaRPr lang="es-ES" sz="1100" dirty="0">
+                        <a:effectLst/>
+                        <a:latin typeface="Calibri" panose="020F0502020204030204" pitchFamily="34" charset="0"/>
+                        <a:ea typeface="Calibri" panose="020F0502020204030204" pitchFamily="34" charset="0"/>
+                        <a:cs typeface="Times New Roman" panose="02020603050405020304" pitchFamily="18" charset="0"/>
+                      </a:endParaRPr>
+                    </a:p>
+                  </a:txBody>
+                  <a:tcPr marL="44450" marR="44450" marT="0" marB="0" anchor="ctr"/>
+                </a:tc>
+                <a:tc>
+                  <a:txBody>
+                    <a:bodyPr/>
+                    <a:lstStyle/>
+                    <a:p>
+                      <a:pPr indent="1032510"/>
+                      <a:r>
+                        <a:rPr lang="es-ES" sz="900" dirty="0">
+                          <a:effectLst/>
+                        </a:rPr>
+                        <a:t>Actividad realizada</a:t>
+                      </a:r>
+                      <a:endParaRPr lang="es-ES" sz="1100" dirty="0">
+                        <a:effectLst/>
+                        <a:latin typeface="Calibri" panose="020F0502020204030204" pitchFamily="34" charset="0"/>
+                        <a:ea typeface="Calibri" panose="020F0502020204030204" pitchFamily="34" charset="0"/>
+                        <a:cs typeface="Times New Roman" panose="02020603050405020304" pitchFamily="18" charset="0"/>
+                      </a:endParaRPr>
+                    </a:p>
+                  </a:txBody>
+                  <a:tcPr marL="44450" marR="44450" marT="0" marB="0" anchor="ctr"/>
                 </a:tc>
                 <a:extLst>
                   <a:ext uri="{0D108BD9-81ED-4DB2-BD59-A6C34878D82A}">
-                    <a16:rowId xmlns:a16="http://schemas.microsoft.com/office/drawing/2014/main" val="668352428"/>
+                    <a16:rowId xmlns:a16="http://schemas.microsoft.com/office/drawing/2014/main" val="73081581"/>
                   </a:ext>
                 </a:extLst>
               </a:tr>
-              <a:tr h="183918">
+              <a:tr h="302187">
                 <a:tc>
                   <a:txBody>
                     <a:bodyPr/>
@@ -16161,7 +16219,7 @@
                         <a:rPr lang="es-ES" sz="900">
                           <a:effectLst/>
                         </a:rPr>
-                        <a:t>Dia</a:t>
+                        <a:t>08/10/2022</a:t>
                       </a:r>
                       <a:endParaRPr lang="es-ES" sz="1100">
                         <a:effectLst/>
@@ -16180,10 +16238,32 @@
                     <a:p>
                       <a:pPr algn="ctr"/>
                       <a:r>
-                        <a:rPr lang="es-ES" sz="900" dirty="0">
+                        <a:rPr lang="es-ES" sz="900">
                           <a:effectLst/>
                         </a:rPr>
-                        <a:t>Duración</a:t>
+                        <a:t>2 horas</a:t>
+                      </a:r>
+                      <a:endParaRPr lang="es-ES" sz="1100">
+                        <a:effectLst/>
+                        <a:latin typeface="Calibri" panose="020F0502020204030204" pitchFamily="34" charset="0"/>
+                        <a:ea typeface="Calibri" panose="020F0502020204030204" pitchFamily="34" charset="0"/>
+                        <a:cs typeface="Times New Roman" panose="02020603050405020304" pitchFamily="18" charset="0"/>
+                      </a:endParaRPr>
+                    </a:p>
+                  </a:txBody>
+                  <a:tcPr marL="44450" marR="44450" marT="0" marB="0" anchor="ctr"/>
+                </a:tc>
+                <a:tc>
+                  <a:txBody>
+                    <a:bodyPr/>
+                    <a:lstStyle/>
+                    <a:p>
+                      <a:pPr algn="ctr"/>
+                      <a:r>
+                        <a:rPr lang="es-ES" sz="1000" dirty="0">
+                          <a:effectLst/>
+                        </a:rPr>
+                        <a:t>Realización de los requisitos del proyecto y del modelo E-R</a:t>
                       </a:r>
                       <a:endParaRPr lang="es-ES" sz="1100" dirty="0">
                         <a:effectLst/>
@@ -16195,17 +16275,68 @@
                   </a:txBody>
                   <a:tcPr marL="44450" marR="44450" marT="0" marB="0" anchor="ctr"/>
                 </a:tc>
-                <a:tc>
-                  <a:txBody>
-                    <a:bodyPr/>
-                    <a:lstStyle/>
-                    <a:p>
-                      <a:pPr indent="1032510"/>
-                      <a:r>
-                        <a:rPr lang="es-ES" sz="900" dirty="0">
+                <a:extLst>
+                  <a:ext uri="{0D108BD9-81ED-4DB2-BD59-A6C34878D82A}">
+                    <a16:rowId xmlns:a16="http://schemas.microsoft.com/office/drawing/2014/main" val="1786607446"/>
+                  </a:ext>
+                </a:extLst>
+              </a:tr>
+              <a:tr h="302187">
+                <a:tc>
+                  <a:txBody>
+                    <a:bodyPr/>
+                    <a:lstStyle/>
+                    <a:p>
+                      <a:pPr algn="ctr"/>
+                      <a:r>
+                        <a:rPr lang="es-ES" sz="1000">
                           <a:effectLst/>
                         </a:rPr>
-                        <a:t>Actividad realizada</a:t>
+                        <a:t>15/10/2022</a:t>
+                      </a:r>
+                      <a:endParaRPr lang="es-ES" sz="1100">
+                        <a:effectLst/>
+                        <a:latin typeface="Calibri" panose="020F0502020204030204" pitchFamily="34" charset="0"/>
+                        <a:ea typeface="Calibri" panose="020F0502020204030204" pitchFamily="34" charset="0"/>
+                        <a:cs typeface="Times New Roman" panose="02020603050405020304" pitchFamily="18" charset="0"/>
+                      </a:endParaRPr>
+                    </a:p>
+                  </a:txBody>
+                  <a:tcPr marL="44450" marR="44450" marT="0" marB="0" anchor="ctr"/>
+                </a:tc>
+                <a:tc>
+                  <a:txBody>
+                    <a:bodyPr/>
+                    <a:lstStyle/>
+                    <a:p>
+                      <a:pPr algn="ctr"/>
+                      <a:r>
+                        <a:rPr lang="es-ES" sz="1000">
+                          <a:effectLst/>
+                        </a:rPr>
+                        <a:t>2 horas</a:t>
+                      </a:r>
+                      <a:endParaRPr lang="es-ES" sz="1100">
+                        <a:effectLst/>
+                        <a:latin typeface="Calibri" panose="020F0502020204030204" pitchFamily="34" charset="0"/>
+                        <a:ea typeface="Calibri" panose="020F0502020204030204" pitchFamily="34" charset="0"/>
+                        <a:cs typeface="Times New Roman" panose="02020603050405020304" pitchFamily="18" charset="0"/>
+                      </a:endParaRPr>
+                    </a:p>
+                  </a:txBody>
+                  <a:tcPr marL="44450" marR="44450" marT="0" marB="0" anchor="ctr"/>
+                </a:tc>
+                <a:tc>
+                  <a:txBody>
+                    <a:bodyPr/>
+                    <a:lstStyle/>
+                    <a:p>
+                      <a:pPr algn="ctr"/>
+                      <a:r>
+                        <a:rPr lang="es-ES" sz="1000" dirty="0">
+                          <a:effectLst/>
+                        </a:rPr>
+                        <a:t>Realización de los requisitos del proyecto y del modelo E-R</a:t>
                       </a:r>
                       <a:endParaRPr lang="es-ES" sz="1100" dirty="0">
                         <a:effectLst/>
@@ -16219,11 +16350,11 @@
                 </a:tc>
                 <a:extLst>
                   <a:ext uri="{0D108BD9-81ED-4DB2-BD59-A6C34878D82A}">
-                    <a16:rowId xmlns:a16="http://schemas.microsoft.com/office/drawing/2014/main" val="73081581"/>
+                    <a16:rowId xmlns:a16="http://schemas.microsoft.com/office/drawing/2014/main" val="2479293261"/>
                   </a:ext>
                 </a:extLst>
               </a:tr>
-              <a:tr h="183918">
+              <a:tr h="302187">
                 <a:tc>
                   <a:txBody>
                     <a:bodyPr/>
@@ -16234,7 +16365,7 @@
                         <a:rPr lang="es-ES" sz="900">
                           <a:effectLst/>
                         </a:rPr>
-                        <a:t>08/10/2022</a:t>
+                        <a:t>24/10/2022</a:t>
                       </a:r>
                       <a:endParaRPr lang="es-ES" sz="1100">
                         <a:effectLst/>
@@ -16253,10 +16384,10 @@
                     <a:p>
                       <a:pPr algn="ctr"/>
                       <a:r>
-                        <a:rPr lang="es-ES" sz="900">
+                        <a:rPr lang="es-ES" sz="1000">
                           <a:effectLst/>
                         </a:rPr>
-                        <a:t>2 horas</a:t>
+                        <a:t>3 horas y 30 minutos</a:t>
                       </a:r>
                       <a:endParaRPr lang="es-ES" sz="1100">
                         <a:effectLst/>
@@ -16278,7 +16409,7 @@
                         <a:rPr lang="es-ES" sz="1000" dirty="0">
                           <a:effectLst/>
                         </a:rPr>
-                        <a:t>Realización de los requisitos del proyecto y del modelo E-R</a:t>
+                        <a:t>Reunión de mejora del modelo entidad relación y dudas</a:t>
                       </a:r>
                       <a:endParaRPr lang="es-ES" sz="1100" dirty="0">
                         <a:effectLst/>
@@ -16292,11 +16423,11 @@
                 </a:tc>
                 <a:extLst>
                   <a:ext uri="{0D108BD9-81ED-4DB2-BD59-A6C34878D82A}">
-                    <a16:rowId xmlns:a16="http://schemas.microsoft.com/office/drawing/2014/main" val="1786607446"/>
+                    <a16:rowId xmlns:a16="http://schemas.microsoft.com/office/drawing/2014/main" val="2826546919"/>
                   </a:ext>
                 </a:extLst>
               </a:tr>
-              <a:tr h="178859">
+              <a:tr h="302187">
                 <a:tc>
                   <a:txBody>
                     <a:bodyPr/>
@@ -16307,7 +16438,7 @@
                         <a:rPr lang="es-ES" sz="1000">
                           <a:effectLst/>
                         </a:rPr>
-                        <a:t>15/10/2022</a:t>
+                        <a:t>05/12/2022</a:t>
                       </a:r>
                       <a:endParaRPr lang="es-ES" sz="1100">
                         <a:effectLst/>
@@ -16348,10 +16479,156 @@
                     <a:p>
                       <a:pPr algn="ctr"/>
                       <a:r>
+                        <a:rPr lang="es-ES" sz="1000">
+                          <a:effectLst/>
+                        </a:rPr>
+                        <a:t>Realización y ayuda del modelo Entidad Relación en Power Designer</a:t>
+                      </a:r>
+                      <a:endParaRPr lang="es-ES" sz="1100">
+                        <a:effectLst/>
+                        <a:latin typeface="Calibri" panose="020F0502020204030204" pitchFamily="34" charset="0"/>
+                        <a:ea typeface="Calibri" panose="020F0502020204030204" pitchFamily="34" charset="0"/>
+                        <a:cs typeface="Times New Roman" panose="02020603050405020304" pitchFamily="18" charset="0"/>
+                      </a:endParaRPr>
+                    </a:p>
+                  </a:txBody>
+                  <a:tcPr marL="44450" marR="44450" marT="0" marB="0" anchor="ctr"/>
+                </a:tc>
+                <a:extLst>
+                  <a:ext uri="{0D108BD9-81ED-4DB2-BD59-A6C34878D82A}">
+                    <a16:rowId xmlns:a16="http://schemas.microsoft.com/office/drawing/2014/main" val="4266844402"/>
+                  </a:ext>
+                </a:extLst>
+              </a:tr>
+              <a:tr h="151094">
+                <a:tc>
+                  <a:txBody>
+                    <a:bodyPr/>
+                    <a:lstStyle/>
+                    <a:p>
+                      <a:pPr algn="ctr"/>
+                      <a:r>
+                        <a:rPr lang="es-ES" sz="1000">
+                          <a:effectLst/>
+                        </a:rPr>
+                        <a:t>24/02/2023</a:t>
+                      </a:r>
+                      <a:endParaRPr lang="es-ES" sz="1100">
+                        <a:effectLst/>
+                        <a:latin typeface="Calibri" panose="020F0502020204030204" pitchFamily="34" charset="0"/>
+                        <a:ea typeface="Calibri" panose="020F0502020204030204" pitchFamily="34" charset="0"/>
+                        <a:cs typeface="Times New Roman" panose="02020603050405020304" pitchFamily="18" charset="0"/>
+                      </a:endParaRPr>
+                    </a:p>
+                  </a:txBody>
+                  <a:tcPr marL="44450" marR="44450" marT="0" marB="0" anchor="ctr"/>
+                </a:tc>
+                <a:tc>
+                  <a:txBody>
+                    <a:bodyPr/>
+                    <a:lstStyle/>
+                    <a:p>
+                      <a:pPr algn="ctr"/>
+                      <a:r>
+                        <a:rPr lang="es-ES" sz="1000">
+                          <a:effectLst/>
+                        </a:rPr>
+                        <a:t>1 hora</a:t>
+                      </a:r>
+                      <a:endParaRPr lang="es-ES" sz="1100">
+                        <a:effectLst/>
+                        <a:latin typeface="Calibri" panose="020F0502020204030204" pitchFamily="34" charset="0"/>
+                        <a:ea typeface="Calibri" panose="020F0502020204030204" pitchFamily="34" charset="0"/>
+                        <a:cs typeface="Times New Roman" panose="02020603050405020304" pitchFamily="18" charset="0"/>
+                      </a:endParaRPr>
+                    </a:p>
+                  </a:txBody>
+                  <a:tcPr marL="44450" marR="44450" marT="0" marB="0" anchor="ctr"/>
+                </a:tc>
+                <a:tc>
+                  <a:txBody>
+                    <a:bodyPr/>
+                    <a:lstStyle/>
+                    <a:p>
+                      <a:pPr algn="ctr"/>
+                      <a:r>
+                        <a:rPr lang="es-ES" sz="1000">
+                          <a:effectLst/>
+                        </a:rPr>
+                        <a:t>Realización de consultas SQL (tipo multitabla)</a:t>
+                      </a:r>
+                      <a:endParaRPr lang="es-ES" sz="1100">
+                        <a:effectLst/>
+                        <a:latin typeface="Calibri" panose="020F0502020204030204" pitchFamily="34" charset="0"/>
+                        <a:ea typeface="Calibri" panose="020F0502020204030204" pitchFamily="34" charset="0"/>
+                        <a:cs typeface="Times New Roman" panose="02020603050405020304" pitchFamily="18" charset="0"/>
+                      </a:endParaRPr>
+                    </a:p>
+                  </a:txBody>
+                  <a:tcPr marL="44450" marR="44450" marT="0" marB="0" anchor="ctr"/>
+                </a:tc>
+                <a:extLst>
+                  <a:ext uri="{0D108BD9-81ED-4DB2-BD59-A6C34878D82A}">
+                    <a16:rowId xmlns:a16="http://schemas.microsoft.com/office/drawing/2014/main" val="1551096796"/>
+                  </a:ext>
+                </a:extLst>
+              </a:tr>
+              <a:tr h="302187">
+                <a:tc>
+                  <a:txBody>
+                    <a:bodyPr/>
+                    <a:lstStyle/>
+                    <a:p>
+                      <a:pPr algn="ctr"/>
+                      <a:r>
+                        <a:rPr lang="es-ES" sz="1000">
+                          <a:effectLst/>
+                        </a:rPr>
+                        <a:t>15/03/2023</a:t>
+                      </a:r>
+                      <a:endParaRPr lang="es-ES" sz="1100">
+                        <a:effectLst/>
+                        <a:latin typeface="Calibri" panose="020F0502020204030204" pitchFamily="34" charset="0"/>
+                        <a:ea typeface="Calibri" panose="020F0502020204030204" pitchFamily="34" charset="0"/>
+                        <a:cs typeface="Times New Roman" panose="02020603050405020304" pitchFamily="18" charset="0"/>
+                      </a:endParaRPr>
+                    </a:p>
+                  </a:txBody>
+                  <a:tcPr marL="44450" marR="44450" marT="0" marB="0" anchor="ctr"/>
+                </a:tc>
+                <a:tc>
+                  <a:txBody>
+                    <a:bodyPr/>
+                    <a:lstStyle/>
+                    <a:p>
+                      <a:pPr algn="ctr"/>
+                      <a:r>
+                        <a:rPr lang="es-ES" sz="1000">
+                          <a:effectLst/>
+                        </a:rPr>
+                        <a:t>1 hora</a:t>
+                      </a:r>
+                      <a:endParaRPr lang="es-ES" sz="1100">
+                        <a:effectLst/>
+                        <a:latin typeface="Calibri" panose="020F0502020204030204" pitchFamily="34" charset="0"/>
+                        <a:ea typeface="Calibri" panose="020F0502020204030204" pitchFamily="34" charset="0"/>
+                        <a:cs typeface="Times New Roman" panose="02020603050405020304" pitchFamily="18" charset="0"/>
+                      </a:endParaRPr>
+                    </a:p>
+                  </a:txBody>
+                  <a:tcPr marL="44450" marR="44450" marT="0" marB="0" anchor="ctr"/>
+                </a:tc>
+                <a:tc>
+                  <a:txBody>
+                    <a:bodyPr/>
+                    <a:lstStyle/>
+                    <a:p>
+                      <a:pPr algn="ctr"/>
+                      <a:r>
                         <a:rPr lang="es-ES" sz="1000" dirty="0">
                           <a:effectLst/>
                         </a:rPr>
-                        <a:t>Realización de los requisitos del proyecto y del modelo E-R</a:t>
+                        <a:t>Actualizar las imágenes de los modelos, realizar las consultas</a:t>
                       </a:r>
                       <a:endParaRPr lang="es-ES" sz="1100" dirty="0">
                         <a:effectLst/>
@@ -16365,303 +16642,11 @@
                 </a:tc>
                 <a:extLst>
                   <a:ext uri="{0D108BD9-81ED-4DB2-BD59-A6C34878D82A}">
-                    <a16:rowId xmlns:a16="http://schemas.microsoft.com/office/drawing/2014/main" val="2479293261"/>
-                  </a:ext>
-                </a:extLst>
-              </a:tr>
-              <a:tr h="208127">
-                <a:tc>
-                  <a:txBody>
-                    <a:bodyPr/>
-                    <a:lstStyle/>
-                    <a:p>
-                      <a:pPr algn="ctr"/>
-                      <a:r>
-                        <a:rPr lang="es-ES" sz="900">
-                          <a:effectLst/>
-                        </a:rPr>
-                        <a:t>24/10/2022</a:t>
-                      </a:r>
-                      <a:endParaRPr lang="es-ES" sz="1100">
-                        <a:effectLst/>
-                        <a:latin typeface="Calibri" panose="020F0502020204030204" pitchFamily="34" charset="0"/>
-                        <a:ea typeface="Calibri" panose="020F0502020204030204" pitchFamily="34" charset="0"/>
-                        <a:cs typeface="Times New Roman" panose="02020603050405020304" pitchFamily="18" charset="0"/>
-                      </a:endParaRPr>
-                    </a:p>
-                  </a:txBody>
-                  <a:tcPr marL="44450" marR="44450" marT="0" marB="0" anchor="ctr"/>
-                </a:tc>
-                <a:tc>
-                  <a:txBody>
-                    <a:bodyPr/>
-                    <a:lstStyle/>
-                    <a:p>
-                      <a:pPr algn="ctr"/>
-                      <a:r>
-                        <a:rPr lang="es-ES" sz="1000">
-                          <a:effectLst/>
-                        </a:rPr>
-                        <a:t>3 horas y 30 minutos</a:t>
-                      </a:r>
-                      <a:endParaRPr lang="es-ES" sz="1100">
-                        <a:effectLst/>
-                        <a:latin typeface="Calibri" panose="020F0502020204030204" pitchFamily="34" charset="0"/>
-                        <a:ea typeface="Calibri" panose="020F0502020204030204" pitchFamily="34" charset="0"/>
-                        <a:cs typeface="Times New Roman" panose="02020603050405020304" pitchFamily="18" charset="0"/>
-                      </a:endParaRPr>
-                    </a:p>
-                  </a:txBody>
-                  <a:tcPr marL="44450" marR="44450" marT="0" marB="0" anchor="ctr"/>
-                </a:tc>
-                <a:tc>
-                  <a:txBody>
-                    <a:bodyPr/>
-                    <a:lstStyle/>
-                    <a:p>
-                      <a:pPr algn="ctr"/>
-                      <a:r>
-                        <a:rPr lang="es-ES" sz="1000" dirty="0">
-                          <a:effectLst/>
-                        </a:rPr>
-                        <a:t>Reunión de mejora del modelo entidad relación y dudas</a:t>
-                      </a:r>
-                      <a:endParaRPr lang="es-ES" sz="1100" dirty="0">
-                        <a:effectLst/>
-                        <a:latin typeface="Calibri" panose="020F0502020204030204" pitchFamily="34" charset="0"/>
-                        <a:ea typeface="Calibri" panose="020F0502020204030204" pitchFamily="34" charset="0"/>
-                        <a:cs typeface="Times New Roman" panose="02020603050405020304" pitchFamily="18" charset="0"/>
-                      </a:endParaRPr>
-                    </a:p>
-                  </a:txBody>
-                  <a:tcPr marL="44450" marR="44450" marT="0" marB="0" anchor="ctr"/>
-                </a:tc>
-                <a:extLst>
-                  <a:ext uri="{0D108BD9-81ED-4DB2-BD59-A6C34878D82A}">
-                    <a16:rowId xmlns:a16="http://schemas.microsoft.com/office/drawing/2014/main" val="2826546919"/>
-                  </a:ext>
-                </a:extLst>
-              </a:tr>
-              <a:tr h="183918">
-                <a:tc>
-                  <a:txBody>
-                    <a:bodyPr/>
-                    <a:lstStyle/>
-                    <a:p>
-                      <a:pPr algn="ctr"/>
-                      <a:r>
-                        <a:rPr lang="es-ES" sz="1000">
-                          <a:effectLst/>
-                        </a:rPr>
-                        <a:t>05/12/2022</a:t>
-                      </a:r>
-                      <a:endParaRPr lang="es-ES" sz="1100">
-                        <a:effectLst/>
-                        <a:latin typeface="Calibri" panose="020F0502020204030204" pitchFamily="34" charset="0"/>
-                        <a:ea typeface="Calibri" panose="020F0502020204030204" pitchFamily="34" charset="0"/>
-                        <a:cs typeface="Times New Roman" panose="02020603050405020304" pitchFamily="18" charset="0"/>
-                      </a:endParaRPr>
-                    </a:p>
-                  </a:txBody>
-                  <a:tcPr marL="44450" marR="44450" marT="0" marB="0" anchor="ctr"/>
-                </a:tc>
-                <a:tc>
-                  <a:txBody>
-                    <a:bodyPr/>
-                    <a:lstStyle/>
-                    <a:p>
-                      <a:pPr algn="ctr"/>
-                      <a:r>
-                        <a:rPr lang="es-ES" sz="1000">
-                          <a:effectLst/>
-                        </a:rPr>
-                        <a:t>2 horas</a:t>
-                      </a:r>
-                      <a:endParaRPr lang="es-ES" sz="1100">
-                        <a:effectLst/>
-                        <a:latin typeface="Calibri" panose="020F0502020204030204" pitchFamily="34" charset="0"/>
-                        <a:ea typeface="Calibri" panose="020F0502020204030204" pitchFamily="34" charset="0"/>
-                        <a:cs typeface="Times New Roman" panose="02020603050405020304" pitchFamily="18" charset="0"/>
-                      </a:endParaRPr>
-                    </a:p>
-                  </a:txBody>
-                  <a:tcPr marL="44450" marR="44450" marT="0" marB="0" anchor="ctr"/>
-                </a:tc>
-                <a:tc>
-                  <a:txBody>
-                    <a:bodyPr/>
-                    <a:lstStyle/>
-                    <a:p>
-                      <a:pPr algn="ctr"/>
-                      <a:r>
-                        <a:rPr lang="es-ES" sz="1000">
-                          <a:effectLst/>
-                        </a:rPr>
-                        <a:t>Realización y ayuda del modelo Entidad Relación en Power Designer</a:t>
-                      </a:r>
-                      <a:endParaRPr lang="es-ES" sz="1100">
-                        <a:effectLst/>
-                        <a:latin typeface="Calibri" panose="020F0502020204030204" pitchFamily="34" charset="0"/>
-                        <a:ea typeface="Calibri" panose="020F0502020204030204" pitchFamily="34" charset="0"/>
-                        <a:cs typeface="Times New Roman" panose="02020603050405020304" pitchFamily="18" charset="0"/>
-                      </a:endParaRPr>
-                    </a:p>
-                  </a:txBody>
-                  <a:tcPr marL="44450" marR="44450" marT="0" marB="0" anchor="ctr"/>
-                </a:tc>
-                <a:extLst>
-                  <a:ext uri="{0D108BD9-81ED-4DB2-BD59-A6C34878D82A}">
-                    <a16:rowId xmlns:a16="http://schemas.microsoft.com/office/drawing/2014/main" val="4266844402"/>
-                  </a:ext>
-                </a:extLst>
-              </a:tr>
-              <a:tr h="173439">
-                <a:tc>
-                  <a:txBody>
-                    <a:bodyPr/>
-                    <a:lstStyle/>
-                    <a:p>
-                      <a:pPr algn="ctr"/>
-                      <a:r>
-                        <a:rPr lang="es-ES" sz="1000">
-                          <a:effectLst/>
-                        </a:rPr>
-                        <a:t>24/02/2023</a:t>
-                      </a:r>
-                      <a:endParaRPr lang="es-ES" sz="1100">
-                        <a:effectLst/>
-                        <a:latin typeface="Calibri" panose="020F0502020204030204" pitchFamily="34" charset="0"/>
-                        <a:ea typeface="Calibri" panose="020F0502020204030204" pitchFamily="34" charset="0"/>
-                        <a:cs typeface="Times New Roman" panose="02020603050405020304" pitchFamily="18" charset="0"/>
-                      </a:endParaRPr>
-                    </a:p>
-                  </a:txBody>
-                  <a:tcPr marL="44450" marR="44450" marT="0" marB="0" anchor="ctr"/>
-                </a:tc>
-                <a:tc>
-                  <a:txBody>
-                    <a:bodyPr/>
-                    <a:lstStyle/>
-                    <a:p>
-                      <a:pPr algn="ctr"/>
-                      <a:r>
-                        <a:rPr lang="es-ES" sz="1000">
-                          <a:effectLst/>
-                        </a:rPr>
-                        <a:t>1 hora</a:t>
-                      </a:r>
-                      <a:endParaRPr lang="es-ES" sz="1100">
-                        <a:effectLst/>
-                        <a:latin typeface="Calibri" panose="020F0502020204030204" pitchFamily="34" charset="0"/>
-                        <a:ea typeface="Calibri" panose="020F0502020204030204" pitchFamily="34" charset="0"/>
-                        <a:cs typeface="Times New Roman" panose="02020603050405020304" pitchFamily="18" charset="0"/>
-                      </a:endParaRPr>
-                    </a:p>
-                  </a:txBody>
-                  <a:tcPr marL="44450" marR="44450" marT="0" marB="0" anchor="ctr"/>
-                </a:tc>
-                <a:tc>
-                  <a:txBody>
-                    <a:bodyPr/>
-                    <a:lstStyle/>
-                    <a:p>
-                      <a:pPr algn="ctr"/>
-                      <a:r>
-                        <a:rPr lang="es-ES" sz="1000">
-                          <a:effectLst/>
-                        </a:rPr>
-                        <a:t>Realización de consultas SQL (tipo multitabla)</a:t>
-                      </a:r>
-                      <a:endParaRPr lang="es-ES" sz="1100">
-                        <a:effectLst/>
-                        <a:latin typeface="Calibri" panose="020F0502020204030204" pitchFamily="34" charset="0"/>
-                        <a:ea typeface="Calibri" panose="020F0502020204030204" pitchFamily="34" charset="0"/>
-                        <a:cs typeface="Times New Roman" panose="02020603050405020304" pitchFamily="18" charset="0"/>
-                      </a:endParaRPr>
-                    </a:p>
-                  </a:txBody>
-                  <a:tcPr marL="44450" marR="44450" marT="0" marB="0" anchor="ctr"/>
-                </a:tc>
-                <a:extLst>
-                  <a:ext uri="{0D108BD9-81ED-4DB2-BD59-A6C34878D82A}">
-                    <a16:rowId xmlns:a16="http://schemas.microsoft.com/office/drawing/2014/main" val="1551096796"/>
-                  </a:ext>
-                </a:extLst>
-              </a:tr>
-              <a:tr h="173439">
-                <a:tc>
-                  <a:txBody>
-                    <a:bodyPr/>
-                    <a:lstStyle/>
-                    <a:p>
-                      <a:pPr algn="ctr"/>
-                      <a:r>
-                        <a:rPr lang="es-ES" sz="1000">
-                          <a:effectLst/>
-                        </a:rPr>
-                        <a:t>15/03/2023</a:t>
-                      </a:r>
-                      <a:endParaRPr lang="es-ES" sz="1100">
-                        <a:effectLst/>
-                        <a:latin typeface="Calibri" panose="020F0502020204030204" pitchFamily="34" charset="0"/>
-                        <a:ea typeface="Calibri" panose="020F0502020204030204" pitchFamily="34" charset="0"/>
-                        <a:cs typeface="Times New Roman" panose="02020603050405020304" pitchFamily="18" charset="0"/>
-                      </a:endParaRPr>
-                    </a:p>
-                  </a:txBody>
-                  <a:tcPr marL="44450" marR="44450" marT="0" marB="0" anchor="ctr"/>
-                </a:tc>
-                <a:tc>
-                  <a:txBody>
-                    <a:bodyPr/>
-                    <a:lstStyle/>
-                    <a:p>
-                      <a:pPr algn="ctr"/>
-                      <a:r>
-                        <a:rPr lang="es-ES" sz="1000">
-                          <a:effectLst/>
-                        </a:rPr>
-                        <a:t>1 hora</a:t>
-                      </a:r>
-                      <a:endParaRPr lang="es-ES" sz="1100">
-                        <a:effectLst/>
-                        <a:latin typeface="Calibri" panose="020F0502020204030204" pitchFamily="34" charset="0"/>
-                        <a:ea typeface="Calibri" panose="020F0502020204030204" pitchFamily="34" charset="0"/>
-                        <a:cs typeface="Times New Roman" panose="02020603050405020304" pitchFamily="18" charset="0"/>
-                      </a:endParaRPr>
-                    </a:p>
-                  </a:txBody>
-                  <a:tcPr marL="44450" marR="44450" marT="0" marB="0" anchor="ctr"/>
-                </a:tc>
-                <a:tc>
-                  <a:txBody>
-                    <a:bodyPr/>
-                    <a:lstStyle/>
-                    <a:p>
-                      <a:pPr algn="ctr"/>
-                      <a:r>
-                        <a:rPr lang="es-ES" sz="1000" dirty="0">
-                          <a:effectLst/>
-                        </a:rPr>
-                        <a:t>Actualizar las imágenes de los modelos, realizar las consultas</a:t>
-                      </a:r>
-                      <a:endParaRPr lang="es-ES" sz="1100" dirty="0">
-                        <a:effectLst/>
-                        <a:latin typeface="Calibri" panose="020F0502020204030204" pitchFamily="34" charset="0"/>
-                        <a:ea typeface="Calibri" panose="020F0502020204030204" pitchFamily="34" charset="0"/>
-                        <a:cs typeface="Times New Roman" panose="02020603050405020304" pitchFamily="18" charset="0"/>
-                      </a:endParaRPr>
-                    </a:p>
-                  </a:txBody>
-                  <a:tcPr marL="44450" marR="44450" marT="0" marB="0" anchor="ctr"/>
-                </a:tc>
-                <a:extLst>
-                  <a:ext uri="{0D108BD9-81ED-4DB2-BD59-A6C34878D82A}">
                     <a16:rowId xmlns:a16="http://schemas.microsoft.com/office/drawing/2014/main" val="689742043"/>
                   </a:ext>
                 </a:extLst>
               </a:tr>
-              <a:tr h="173439">
+              <a:tr h="302187">
                 <a:tc>
                   <a:txBody>
                     <a:bodyPr/>
@@ -16753,14 +16738,14 @@
           <p:nvPr>
             <p:extLst>
               <p:ext uri="{D42A27DB-BD31-4B8C-83A1-F6EECF244321}">
-                <p14:modId xmlns:p14="http://schemas.microsoft.com/office/powerpoint/2010/main" val="331365261"/>
+                <p14:modId xmlns:p14="http://schemas.microsoft.com/office/powerpoint/2010/main" val="3124994959"/>
               </p:ext>
             </p:extLst>
           </p:nvPr>
         </p:nvGraphicFramePr>
         <p:xfrm>
-          <a:off x="5313890" y="245146"/>
-          <a:ext cx="4634443" cy="2253891"/>
+          <a:off x="6491638" y="153708"/>
+          <a:ext cx="4634443" cy="2158685"/>
         </p:xfrm>
         <a:graphic>
           <a:graphicData uri="http://schemas.openxmlformats.org/drawingml/2006/table">
@@ -16791,7 +16776,7 @@
                   </a:extLst>
                 </a:gridCol>
               </a:tblGrid>
-              <a:tr h="101618">
+              <a:tr h="148734">
                 <a:tc gridSpan="3">
                   <a:txBody>
                     <a:bodyPr/>
@@ -16840,7 +16825,7 @@
                   </a:ext>
                 </a:extLst>
               </a:tr>
-              <a:tr h="171017">
+              <a:tr h="142823">
                 <a:tc>
                   <a:txBody>
                     <a:bodyPr/>
@@ -16925,7 +16910,7 @@
                   </a:ext>
                 </a:extLst>
               </a:tr>
-              <a:tr h="203237">
+              <a:tr h="297468">
                 <a:tc>
                   <a:txBody>
                     <a:bodyPr/>
@@ -16998,7 +16983,7 @@
                   </a:ext>
                 </a:extLst>
               </a:tr>
-              <a:tr h="203237">
+              <a:tr h="297468">
                 <a:tc>
                   <a:txBody>
                     <a:bodyPr/>
@@ -17071,7 +17056,7 @@
                   </a:ext>
                 </a:extLst>
               </a:tr>
-              <a:tr h="203237">
+              <a:tr h="297468">
                 <a:tc>
                   <a:txBody>
                     <a:bodyPr/>
@@ -17144,7 +17129,7 @@
                   </a:ext>
                 </a:extLst>
               </a:tr>
-              <a:tr h="203237">
+              <a:tr h="297468">
                 <a:tc>
                   <a:txBody>
                     <a:bodyPr/>
@@ -17217,7 +17202,7 @@
                   </a:ext>
                 </a:extLst>
               </a:tr>
-              <a:tr h="203237">
+              <a:tr h="169731">
                 <a:tc>
                   <a:txBody>
                     <a:bodyPr/>
@@ -17290,7 +17275,7 @@
                   </a:ext>
                 </a:extLst>
               </a:tr>
-              <a:tr h="203237">
+              <a:tr h="169731">
                 <a:tc>
                   <a:txBody>
                     <a:bodyPr/>
@@ -17363,7 +17348,7 @@
                   </a:ext>
                 </a:extLst>
               </a:tr>
-              <a:tr h="203237">
+              <a:tr h="297468">
                 <a:tc>
                   <a:txBody>
                     <a:bodyPr/>
@@ -17455,13 +17440,13 @@
           <p:nvPr>
             <p:extLst>
               <p:ext uri="{D42A27DB-BD31-4B8C-83A1-F6EECF244321}">
-                <p14:modId xmlns:p14="http://schemas.microsoft.com/office/powerpoint/2010/main" val="1598895284"/>
+                <p14:modId xmlns:p14="http://schemas.microsoft.com/office/powerpoint/2010/main" val="2549022597"/>
               </p:ext>
             </p:extLst>
           </p:nvPr>
         </p:nvGraphicFramePr>
         <p:xfrm>
-          <a:off x="5313890" y="5168074"/>
+          <a:off x="6491638" y="4583153"/>
           <a:ext cx="4736042" cy="2118360"/>
         </p:xfrm>
         <a:graphic>
@@ -17493,7 +17478,7 @@
                   </a:extLst>
                 </a:gridCol>
               </a:tblGrid>
-              <a:tr h="63112">
+              <a:tr h="134562">
                 <a:tc gridSpan="3">
                   <a:txBody>
                     <a:bodyPr/>
@@ -17542,7 +17527,7 @@
                   </a:ext>
                 </a:extLst>
               </a:tr>
-              <a:tr h="113602">
+              <a:tr h="121106">
                 <a:tc>
                   <a:txBody>
                     <a:bodyPr/>
@@ -17615,7 +17600,7 @@
                   </a:ext>
                 </a:extLst>
               </a:tr>
-              <a:tr h="133850">
+              <a:tr h="269124">
                 <a:tc>
                   <a:txBody>
                     <a:bodyPr/>
@@ -17688,7 +17673,7 @@
                   </a:ext>
                 </a:extLst>
               </a:tr>
-              <a:tr h="133850">
+              <a:tr h="269124">
                 <a:tc>
                   <a:txBody>
                     <a:bodyPr/>
@@ -17761,7 +17746,7 @@
                   </a:ext>
                 </a:extLst>
               </a:tr>
-              <a:tr h="133850">
+              <a:tr h="269124">
                 <a:tc>
                   <a:txBody>
                     <a:bodyPr/>
@@ -17834,7 +17819,7 @@
                   </a:ext>
                 </a:extLst>
               </a:tr>
-              <a:tr h="133850">
+              <a:tr h="269124">
                 <a:tc>
                   <a:txBody>
                     <a:bodyPr/>
@@ -17907,7 +17892,7 @@
                   </a:ext>
                 </a:extLst>
               </a:tr>
-              <a:tr h="126224">
+              <a:tr h="134562">
                 <a:tc>
                   <a:txBody>
                     <a:bodyPr/>
@@ -17980,7 +17965,7 @@
                   </a:ext>
                 </a:extLst>
               </a:tr>
-              <a:tr h="126224">
+              <a:tr h="134562">
                 <a:tc>
                   <a:txBody>
                     <a:bodyPr/>
@@ -18053,7 +18038,7 @@
                   </a:ext>
                 </a:extLst>
               </a:tr>
-              <a:tr h="189336">
+              <a:tr h="269124">
                 <a:tc>
                   <a:txBody>
                     <a:bodyPr/>
